--- a/4DevKrakow2018/BringYourNetCodeIntoBigData.pptx
+++ b/4DevKrakow2018/BringYourNetCodeIntoBigData.pptx
@@ -230,7 +230,7 @@
           <a:p>
             <a:fld id="{1E050263-9721-43EF-AC38-28F6115BDD45}" type="datetimeFigureOut">
               <a:rPr lang="en-US" smtClean="0"/>
-              <a:t>10/13/2018</a:t>
+              <a:t>10/14/2018</a:t>
             </a:fld>
             <a:endParaRPr lang="en-US"/>
           </a:p>
@@ -395,7 +395,7 @@
           <a:p>
             <a:fld id="{02790F4D-45E3-4E16-A568-54C3CC6D5229}" type="datetimeFigureOut">
               <a:rPr lang="en-US" smtClean="0"/>
-              <a:t>10/13/2018</a:t>
+              <a:t>10/14/2018</a:t>
             </a:fld>
             <a:endParaRPr lang="en-US"/>
           </a:p>
@@ -6276,7 +6276,7 @@
                 <a:uFillTx/>
                 <a:latin typeface="Consolas" panose="020B0609020204030204" pitchFamily="49" charset="0"/>
               </a:rPr>
-              <a:t>/0</a:t>
+              <a:t>/</a:t>
             </a:r>
             <a:r>
               <a:rPr kumimoji="0" lang="en-GB" sz="900" b="0" i="0" u="none" strike="noStrike" kern="0" cap="none" spc="0" normalizeH="0" baseline="0" noProof="0" dirty="0">
@@ -6291,7 +6291,7 @@
                 <a:uFillTx/>
                 <a:latin typeface="Consolas" panose="020B0609020204030204" pitchFamily="49" charset="0"/>
               </a:rPr>
-              <a:t>5</a:t>
+              <a:t>10</a:t>
             </a:r>
             <a:r>
               <a:rPr kumimoji="0" lang="pl-PL" sz="900" b="0" i="0" u="none" strike="noStrike" kern="0" cap="none" spc="0" normalizeH="0" baseline="0" noProof="0" dirty="0">
@@ -6321,7 +6321,7 @@
                 <a:uFillTx/>
                 <a:latin typeface="Consolas" panose="020B0609020204030204" pitchFamily="49" charset="0"/>
               </a:rPr>
-              <a:t>16</a:t>
+              <a:t>15</a:t>
             </a:r>
             <a:r>
               <a:rPr kumimoji="0" lang="pl-PL" sz="900" b="0" i="0" u="none" strike="noStrike" kern="0" cap="none" spc="0" normalizeH="0" baseline="0" noProof="0" dirty="0">
@@ -23717,7 +23717,7 @@
         <p:spPr>
           <a:xfrm>
             <a:off x="792127" y="857465"/>
-            <a:ext cx="10819770" cy="957299"/>
+            <a:ext cx="11180798" cy="957299"/>
           </a:xfrm>
         </p:spPr>
         <p:txBody>
@@ -23725,7 +23725,7 @@
           <a:lstStyle/>
           <a:p>
             <a:r>
-              <a:rPr lang="en-US" sz="4800" b="1" spc="-50" dirty="0">
+              <a:rPr lang="en-US" sz="4000" b="1" spc="-50" dirty="0">
                 <a:solidFill>
                   <a:srgbClr val="EF942F"/>
                 </a:solidFill>
@@ -23733,10 +23733,32 @@
                 <a:ea typeface="+mj-ea"/>
                 <a:cs typeface="+mj-cs"/>
               </a:rPr>
-              <a:t>Data Lake Tools for Visual</a:t>
-            </a:r>
-            <a:r>
-              <a:rPr lang="pl-PL" sz="4800" b="1" spc="-50" dirty="0">
+              <a:t>Data Lake  </a:t>
+            </a:r>
+            <a:r>
+              <a:rPr lang="pl-PL" sz="4000" b="1" spc="-50" dirty="0">
+                <a:solidFill>
+                  <a:srgbClr val="EF942F"/>
+                </a:solidFill>
+                <a:latin typeface="Calibri Light" panose="020F0302020204030204"/>
+                <a:ea typeface="+mj-ea"/>
+                <a:cs typeface="+mj-cs"/>
+              </a:rPr>
+              <a:t>and Stream Analytics </a:t>
+            </a:r>
+            <a:r>
+              <a:rPr lang="en-US" sz="4000" b="1" spc="-50" dirty="0">
+                <a:solidFill>
+                  <a:srgbClr val="EF942F"/>
+                </a:solidFill>
+                <a:latin typeface="Calibri Light" panose="020F0302020204030204"/>
+                <a:ea typeface="+mj-ea"/>
+                <a:cs typeface="+mj-cs"/>
+              </a:rPr>
+              <a:t>Tools for Visual</a:t>
+            </a:r>
+            <a:r>
+              <a:rPr lang="pl-PL" sz="4000" b="1" spc="-50" dirty="0">
                 <a:solidFill>
                   <a:srgbClr val="EF942F"/>
                 </a:solidFill>
@@ -23771,7 +23793,7 @@
         </p:blipFill>
         <p:spPr>
           <a:xfrm>
-            <a:off x="1464562" y="1814764"/>
+            <a:off x="1216912" y="1977810"/>
             <a:ext cx="6145829" cy="4022725"/>
           </a:xfrm>
           <a:prstGeom prst="rect">
@@ -23801,7 +23823,7 @@
         </p:blipFill>
         <p:spPr>
           <a:xfrm>
-            <a:off x="5136970" y="2374610"/>
+            <a:off x="5394145" y="2460335"/>
             <a:ext cx="6474927" cy="4238134"/>
           </a:xfrm>
           <a:prstGeom prst="rect">
@@ -29765,7 +29787,7 @@
 </file>
 
 <file path=ppt/slides/slide25.xml><?xml version="1.0" encoding="utf-8"?>
-<p:sld xmlns:a="http://schemas.openxmlformats.org/drawingml/2006/main" xmlns:r="http://schemas.openxmlformats.org/officeDocument/2006/relationships" xmlns:p="http://schemas.openxmlformats.org/presentationml/2006/main" show="0">
+<p:sld xmlns:a="http://schemas.openxmlformats.org/drawingml/2006/main" xmlns:r="http://schemas.openxmlformats.org/officeDocument/2006/relationships" xmlns:p="http://schemas.openxmlformats.org/presentationml/2006/main">
   <p:cSld>
     <p:spTree>
       <p:nvGrpSpPr>
@@ -29839,7 +29861,7 @@
         <p:spPr>
           <a:xfrm>
             <a:off x="1542742" y="1698416"/>
-            <a:ext cx="9658657" cy="4370427"/>
+            <a:ext cx="10039658" cy="4062651"/>
           </a:xfrm>
           <a:prstGeom prst="rect">
             <a:avLst/>
@@ -29874,9 +29896,7 @@
                   <a:noFill/>
                 </a:ln>
                 <a:solidFill>
-                  <a:srgbClr val="F79646">
-                    <a:lumMod val="75000"/>
-                  </a:srgbClr>
+                  <a:srgbClr val="EF942F"/>
                 </a:solidFill>
                 <a:effectLst/>
                 <a:uLnTx/>
@@ -29889,9 +29909,7 @@
                 <a:noFill/>
               </a:ln>
               <a:solidFill>
-                <a:srgbClr val="F79646">
-                  <a:lumMod val="75000"/>
-                </a:srgbClr>
+                <a:srgbClr val="EF942F"/>
               </a:solidFill>
               <a:effectLst/>
               <a:uLnTx/>
@@ -29903,6 +29921,94 @@
                   </a:ext>
                 </a:extLst>
               </a:hlinkClick>
+            </a:endParaRPr>
+          </a:p>
+          <a:p>
+            <a:pPr marL="342900" indent="-342900">
+              <a:buFont typeface="Arial" panose="020B0604020202020204" pitchFamily="34" charset="0"/>
+              <a:buChar char="•"/>
+              <a:defRPr/>
+            </a:pPr>
+            <a:r>
+              <a:rPr lang="pl-PL" kern="0" dirty="0">
+                <a:solidFill>
+                  <a:prstClr val="black"/>
+                </a:solidFill>
+                <a:hlinkClick r:id="rId3"/>
+              </a:rPr>
+              <a:t>https://github.com/cloud4yourdata/demos/tree/master/4DevKrakow2018</a:t>
+            </a:r>
+            <a:r>
+              <a:rPr lang="pl-PL" kern="0" dirty="0">
+                <a:solidFill>
+                  <a:prstClr val="black"/>
+                </a:solidFill>
+              </a:rPr>
+              <a:t> </a:t>
+            </a:r>
+            <a:r>
+              <a:rPr lang="pl-PL" kern="0" dirty="0">
+                <a:solidFill>
+                  <a:prstClr val="black"/>
+                </a:solidFill>
+                <a:hlinkClick r:id="rId4">
+                  <a:extLst>
+                    <a:ext uri="{A12FA001-AC4F-418D-AE19-62706E023703}">
+                      <ahyp:hlinkClr xmlns:ahyp="http://schemas.microsoft.com/office/drawing/2018/hyperlinkcolor" val="tx"/>
+                    </a:ext>
+                  </a:extLst>
+                </a:hlinkClick>
+              </a:rPr>
+              <a:t>https://github.com/cloud4yourdata/usql/</a:t>
+            </a:r>
+            <a:endParaRPr lang="pl-PL" kern="0" dirty="0">
+              <a:solidFill>
+                <a:prstClr val="black"/>
+              </a:solidFill>
+            </a:endParaRPr>
+          </a:p>
+          <a:p>
+            <a:pPr marL="0" marR="0" lvl="0" indent="0" defTabSz="914400" eaLnBrk="1" fontAlgn="auto" latinLnBrk="0" hangingPunct="1">
+              <a:lnSpc>
+                <a:spcPct val="100000"/>
+              </a:lnSpc>
+              <a:spcBef>
+                <a:spcPts val="0"/>
+              </a:spcBef>
+              <a:spcAft>
+                <a:spcPts val="0"/>
+              </a:spcAft>
+              <a:buClrTx/>
+              <a:buSzTx/>
+              <a:buFontTx/>
+              <a:buNone/>
+              <a:tabLst/>
+              <a:defRPr/>
+            </a:pPr>
+            <a:r>
+              <a:rPr kumimoji="0" lang="pl-PL" sz="2000" b="1" i="0" u="none" strike="noStrike" kern="0" cap="none" spc="0" normalizeH="0" baseline="0" noProof="0" dirty="0">
+                <a:ln>
+                  <a:noFill/>
+                </a:ln>
+                <a:solidFill>
+                  <a:srgbClr val="EF942F"/>
+                </a:solidFill>
+                <a:effectLst/>
+                <a:uLnTx/>
+                <a:uFillTx/>
+              </a:rPr>
+              <a:t>Blogs and pages</a:t>
+            </a:r>
+            <a:endParaRPr kumimoji="0" lang="pl-PL" sz="2000" b="0" i="0" u="none" strike="noStrike" kern="0" cap="none" spc="0" normalizeH="0" baseline="0" noProof="0" dirty="0">
+              <a:ln>
+                <a:noFill/>
+              </a:ln>
+              <a:solidFill>
+                <a:srgbClr val="EF942F"/>
+              </a:solidFill>
+              <a:effectLst/>
+              <a:uLnTx/>
+              <a:uFillTx/>
             </a:endParaRPr>
           </a:p>
           <a:p>
@@ -29934,7 +30040,7 @@
                 <a:effectLst/>
                 <a:uLnTx/>
                 <a:uFillTx/>
-                <a:hlinkClick r:id="rId2">
+                <a:hlinkClick r:id="rId5">
                   <a:extLst>
                     <a:ext uri="{A12FA001-AC4F-418D-AE19-62706E023703}">
                       <ahyp:hlinkClr xmlns:ahyp="http://schemas.microsoft.com/office/drawing/2018/hyperlinkcolor" val="tx"/>
@@ -29942,7 +30048,7 @@
                   </a:extLst>
                 </a:hlinkClick>
               </a:rPr>
-              <a:t>https://github.com/cloud4yourdata/usql/tree/develop</a:t>
+              <a:t>http://aka.ms/AzureDataLake</a:t>
             </a:r>
             <a:endParaRPr kumimoji="0" lang="pl-PL" sz="1800" b="0" i="0" u="none" strike="noStrike" kern="0" cap="none" spc="0" normalizeH="0" baseline="0" noProof="0" dirty="0">
               <a:ln>
@@ -29985,7 +30091,7 @@
                 <a:effectLst/>
                 <a:uLnTx/>
                 <a:uFillTx/>
-                <a:hlinkClick r:id="rId3">
+                <a:hlinkClick r:id="rId6">
                   <a:extLst>
                     <a:ext uri="{A12FA001-AC4F-418D-AE19-62706E023703}">
                       <ahyp:hlinkClr xmlns:ahyp="http://schemas.microsoft.com/office/drawing/2018/hyperlinkcolor" val="tx"/>
@@ -29993,7 +30099,7 @@
                   </a:extLst>
                 </a:hlinkClick>
               </a:rPr>
-              <a:t>https://github.com/cloud4yourdata/demos/tree/develop/SQLDay2018</a:t>
+              <a:t>http://usql.io</a:t>
             </a:r>
             <a:endParaRPr kumimoji="0" lang="pl-PL" sz="1800" b="0" i="0" u="none" strike="noStrike" kern="0" cap="none" spc="0" normalizeH="0" baseline="0" noProof="0" dirty="0">
               <a:ln>
@@ -30025,6 +30131,78 @@
               <a:tabLst/>
               <a:defRPr/>
             </a:pPr>
+            <a:r>
+              <a:rPr kumimoji="0" lang="pl-PL" sz="1800" b="0" i="0" u="none" strike="noStrike" kern="0" cap="none" spc="0" normalizeH="0" baseline="0" noProof="0" dirty="0">
+                <a:ln>
+                  <a:noFill/>
+                </a:ln>
+                <a:solidFill>
+                  <a:prstClr val="black"/>
+                </a:solidFill>
+                <a:effectLst/>
+                <a:uLnTx/>
+                <a:uFillTx/>
+                <a:hlinkClick r:id="rId7">
+                  <a:extLst>
+                    <a:ext uri="{A12FA001-AC4F-418D-AE19-62706E023703}">
+                      <ahyp:hlinkClr xmlns:ahyp="http://schemas.microsoft.com/office/drawing/2018/hyperlinkcolor" val="tx"/>
+                    </a:ext>
+                  </a:extLst>
+                </a:hlinkClick>
+              </a:rPr>
+              <a:t>http://blogs.msdn.microsoft.com/mrys/</a:t>
+            </a:r>
+            <a:endParaRPr kumimoji="0" lang="pl-PL" sz="1800" b="0" i="0" u="none" strike="noStrike" kern="0" cap="none" spc="0" normalizeH="0" baseline="0" noProof="0" dirty="0">
+              <a:ln>
+                <a:noFill/>
+              </a:ln>
+              <a:solidFill>
+                <a:prstClr val="black"/>
+              </a:solidFill>
+              <a:effectLst/>
+              <a:uLnTx/>
+              <a:uFillTx/>
+            </a:endParaRPr>
+          </a:p>
+          <a:p>
+            <a:pPr marL="342900" marR="0" lvl="0" indent="-342900" defTabSz="914400" eaLnBrk="1" fontAlgn="auto" latinLnBrk="0" hangingPunct="1">
+              <a:lnSpc>
+                <a:spcPct val="100000"/>
+              </a:lnSpc>
+              <a:spcBef>
+                <a:spcPts val="0"/>
+              </a:spcBef>
+              <a:spcAft>
+                <a:spcPts val="0"/>
+              </a:spcAft>
+              <a:buClrTx/>
+              <a:buSzTx/>
+              <a:buFont typeface="Arial" panose="020B0604020202020204" pitchFamily="34" charset="0"/>
+              <a:buChar char="•"/>
+              <a:tabLst/>
+              <a:defRPr/>
+            </a:pPr>
+            <a:r>
+              <a:rPr kumimoji="0" lang="pl-PL" sz="1800" b="0" i="0" u="none" strike="noStrike" kern="0" cap="none" spc="0" normalizeH="0" baseline="0" noProof="0" dirty="0">
+                <a:ln>
+                  <a:noFill/>
+                </a:ln>
+                <a:solidFill>
+                  <a:prstClr val="black"/>
+                </a:solidFill>
+                <a:effectLst/>
+                <a:uLnTx/>
+                <a:uFillTx/>
+                <a:hlinkClick r:id="rId8">
+                  <a:extLst>
+                    <a:ext uri="{A12FA001-AC4F-418D-AE19-62706E023703}">
+                      <ahyp:hlinkClr xmlns:ahyp="http://schemas.microsoft.com/office/drawing/2018/hyperlinkcolor" val="tx"/>
+                    </a:ext>
+                  </a:extLst>
+                </a:hlinkClick>
+              </a:rPr>
+              <a:t>http://blogs.msdn.microsoft.com/azuredatalake/</a:t>
+            </a:r>
             <a:endParaRPr kumimoji="0" lang="pl-PL" sz="2000" b="0" i="0" u="none" strike="noStrike" kern="0" cap="none" spc="0" normalizeH="0" baseline="0" noProof="0" dirty="0">
               <a:ln>
                 <a:noFill/>
@@ -30061,259 +30239,7 @@
                   <a:noFill/>
                 </a:ln>
                 <a:solidFill>
-                  <a:srgbClr val="F79646">
-                    <a:lumMod val="75000"/>
-                  </a:srgbClr>
-                </a:solidFill>
-                <a:effectLst/>
-                <a:uLnTx/>
-                <a:uFillTx/>
-              </a:rPr>
-              <a:t>Blogs and pages</a:t>
-            </a:r>
-            <a:endParaRPr kumimoji="0" lang="pl-PL" sz="2000" b="0" i="0" u="none" strike="noStrike" kern="0" cap="none" spc="0" normalizeH="0" baseline="0" noProof="0" dirty="0">
-              <a:ln>
-                <a:noFill/>
-              </a:ln>
-              <a:solidFill>
-                <a:prstClr val="black"/>
-              </a:solidFill>
-              <a:effectLst/>
-              <a:uLnTx/>
-              <a:uFillTx/>
-            </a:endParaRPr>
-          </a:p>
-          <a:p>
-            <a:pPr marL="342900" marR="0" lvl="0" indent="-342900" defTabSz="914400" eaLnBrk="1" fontAlgn="auto" latinLnBrk="0" hangingPunct="1">
-              <a:lnSpc>
-                <a:spcPct val="100000"/>
-              </a:lnSpc>
-              <a:spcBef>
-                <a:spcPts val="0"/>
-              </a:spcBef>
-              <a:spcAft>
-                <a:spcPts val="0"/>
-              </a:spcAft>
-              <a:buClrTx/>
-              <a:buSzTx/>
-              <a:buFont typeface="Arial" panose="020B0604020202020204" pitchFamily="34" charset="0"/>
-              <a:buChar char="•"/>
-              <a:tabLst/>
-              <a:defRPr/>
-            </a:pPr>
-            <a:r>
-              <a:rPr kumimoji="0" lang="pl-PL" sz="1800" b="0" i="0" u="none" strike="noStrike" kern="0" cap="none" spc="0" normalizeH="0" baseline="0" noProof="0" dirty="0">
-                <a:ln>
-                  <a:noFill/>
-                </a:ln>
-                <a:solidFill>
-                  <a:prstClr val="black"/>
-                </a:solidFill>
-                <a:effectLst/>
-                <a:uLnTx/>
-                <a:uFillTx/>
-                <a:hlinkClick r:id="rId4">
-                  <a:extLst>
-                    <a:ext uri="{A12FA001-AC4F-418D-AE19-62706E023703}">
-                      <ahyp:hlinkClr xmlns:ahyp="http://schemas.microsoft.com/office/drawing/2018/hyperlinkcolor" val="tx"/>
-                    </a:ext>
-                  </a:extLst>
-                </a:hlinkClick>
-              </a:rPr>
-              <a:t>http://aka.ms/AzureDataLake</a:t>
-            </a:r>
-            <a:endParaRPr kumimoji="0" lang="pl-PL" sz="1800" b="0" i="0" u="none" strike="noStrike" kern="0" cap="none" spc="0" normalizeH="0" baseline="0" noProof="0" dirty="0">
-              <a:ln>
-                <a:noFill/>
-              </a:ln>
-              <a:solidFill>
-                <a:prstClr val="black"/>
-              </a:solidFill>
-              <a:effectLst/>
-              <a:uLnTx/>
-              <a:uFillTx/>
-            </a:endParaRPr>
-          </a:p>
-          <a:p>
-            <a:pPr marL="342900" marR="0" lvl="0" indent="-342900" defTabSz="914400" eaLnBrk="1" fontAlgn="auto" latinLnBrk="0" hangingPunct="1">
-              <a:lnSpc>
-                <a:spcPct val="100000"/>
-              </a:lnSpc>
-              <a:spcBef>
-                <a:spcPts val="0"/>
-              </a:spcBef>
-              <a:spcAft>
-                <a:spcPts val="0"/>
-              </a:spcAft>
-              <a:buClrTx/>
-              <a:buSzTx/>
-              <a:buFont typeface="Arial" panose="020B0604020202020204" pitchFamily="34" charset="0"/>
-              <a:buChar char="•"/>
-              <a:tabLst/>
-              <a:defRPr/>
-            </a:pPr>
-            <a:r>
-              <a:rPr kumimoji="0" lang="pl-PL" sz="1800" b="0" i="0" u="none" strike="noStrike" kern="0" cap="none" spc="0" normalizeH="0" baseline="0" noProof="0" dirty="0">
-                <a:ln>
-                  <a:noFill/>
-                </a:ln>
-                <a:solidFill>
-                  <a:prstClr val="black"/>
-                </a:solidFill>
-                <a:effectLst/>
-                <a:uLnTx/>
-                <a:uFillTx/>
-                <a:hlinkClick r:id="rId5">
-                  <a:extLst>
-                    <a:ext uri="{A12FA001-AC4F-418D-AE19-62706E023703}">
-                      <ahyp:hlinkClr xmlns:ahyp="http://schemas.microsoft.com/office/drawing/2018/hyperlinkcolor" val="tx"/>
-                    </a:ext>
-                  </a:extLst>
-                </a:hlinkClick>
-              </a:rPr>
-              <a:t>http://usql.io</a:t>
-            </a:r>
-            <a:endParaRPr kumimoji="0" lang="pl-PL" sz="1800" b="0" i="0" u="none" strike="noStrike" kern="0" cap="none" spc="0" normalizeH="0" baseline="0" noProof="0" dirty="0">
-              <a:ln>
-                <a:noFill/>
-              </a:ln>
-              <a:solidFill>
-                <a:prstClr val="black"/>
-              </a:solidFill>
-              <a:effectLst/>
-              <a:uLnTx/>
-              <a:uFillTx/>
-            </a:endParaRPr>
-          </a:p>
-          <a:p>
-            <a:pPr marL="342900" marR="0" lvl="0" indent="-342900" defTabSz="914400" eaLnBrk="1" fontAlgn="auto" latinLnBrk="0" hangingPunct="1">
-              <a:lnSpc>
-                <a:spcPct val="100000"/>
-              </a:lnSpc>
-              <a:spcBef>
-                <a:spcPts val="0"/>
-              </a:spcBef>
-              <a:spcAft>
-                <a:spcPts val="0"/>
-              </a:spcAft>
-              <a:buClrTx/>
-              <a:buSzTx/>
-              <a:buFont typeface="Arial" panose="020B0604020202020204" pitchFamily="34" charset="0"/>
-              <a:buChar char="•"/>
-              <a:tabLst/>
-              <a:defRPr/>
-            </a:pPr>
-            <a:r>
-              <a:rPr kumimoji="0" lang="pl-PL" sz="1800" b="0" i="0" u="none" strike="noStrike" kern="0" cap="none" spc="0" normalizeH="0" baseline="0" noProof="0" dirty="0">
-                <a:ln>
-                  <a:noFill/>
-                </a:ln>
-                <a:solidFill>
-                  <a:prstClr val="black"/>
-                </a:solidFill>
-                <a:effectLst/>
-                <a:uLnTx/>
-                <a:uFillTx/>
-                <a:hlinkClick r:id="rId6">
-                  <a:extLst>
-                    <a:ext uri="{A12FA001-AC4F-418D-AE19-62706E023703}">
-                      <ahyp:hlinkClr xmlns:ahyp="http://schemas.microsoft.com/office/drawing/2018/hyperlinkcolor" val="tx"/>
-                    </a:ext>
-                  </a:extLst>
-                </a:hlinkClick>
-              </a:rPr>
-              <a:t>http://blogs.msdn.microsoft.com/mrys/</a:t>
-            </a:r>
-            <a:endParaRPr kumimoji="0" lang="pl-PL" sz="1800" b="0" i="0" u="none" strike="noStrike" kern="0" cap="none" spc="0" normalizeH="0" baseline="0" noProof="0" dirty="0">
-              <a:ln>
-                <a:noFill/>
-              </a:ln>
-              <a:solidFill>
-                <a:prstClr val="black"/>
-              </a:solidFill>
-              <a:effectLst/>
-              <a:uLnTx/>
-              <a:uFillTx/>
-            </a:endParaRPr>
-          </a:p>
-          <a:p>
-            <a:pPr marL="342900" marR="0" lvl="0" indent="-342900" defTabSz="914400" eaLnBrk="1" fontAlgn="auto" latinLnBrk="0" hangingPunct="1">
-              <a:lnSpc>
-                <a:spcPct val="100000"/>
-              </a:lnSpc>
-              <a:spcBef>
-                <a:spcPts val="0"/>
-              </a:spcBef>
-              <a:spcAft>
-                <a:spcPts val="0"/>
-              </a:spcAft>
-              <a:buClrTx/>
-              <a:buSzTx/>
-              <a:buFont typeface="Arial" panose="020B0604020202020204" pitchFamily="34" charset="0"/>
-              <a:buChar char="•"/>
-              <a:tabLst/>
-              <a:defRPr/>
-            </a:pPr>
-            <a:r>
-              <a:rPr kumimoji="0" lang="pl-PL" sz="1800" b="0" i="0" u="none" strike="noStrike" kern="0" cap="none" spc="0" normalizeH="0" baseline="0" noProof="0" dirty="0">
-                <a:ln>
-                  <a:noFill/>
-                </a:ln>
-                <a:solidFill>
-                  <a:prstClr val="black"/>
-                </a:solidFill>
-                <a:effectLst/>
-                <a:uLnTx/>
-                <a:uFillTx/>
-                <a:hlinkClick r:id="rId7">
-                  <a:extLst>
-                    <a:ext uri="{A12FA001-AC4F-418D-AE19-62706E023703}">
-                      <ahyp:hlinkClr xmlns:ahyp="http://schemas.microsoft.com/office/drawing/2018/hyperlinkcolor" val="tx"/>
-                    </a:ext>
-                  </a:extLst>
-                </a:hlinkClick>
-              </a:rPr>
-              <a:t>http://blogs.msdn.microsoft.com/azuredatalake/</a:t>
-            </a:r>
-            <a:endParaRPr kumimoji="0" lang="pl-PL" sz="2000" b="0" i="0" u="none" strike="noStrike" kern="0" cap="none" spc="0" normalizeH="0" baseline="0" noProof="0" dirty="0">
-              <a:ln>
-                <a:noFill/>
-              </a:ln>
-              <a:solidFill>
-                <a:prstClr val="black"/>
-              </a:solidFill>
-              <a:effectLst/>
-              <a:uLnTx/>
-              <a:uFillTx/>
-            </a:endParaRPr>
-          </a:p>
-          <a:p>
-            <a:pPr marL="0" marR="0" lvl="0" indent="0" defTabSz="914400" eaLnBrk="1" fontAlgn="auto" latinLnBrk="0" hangingPunct="1">
-              <a:lnSpc>
-                <a:spcPct val="100000"/>
-              </a:lnSpc>
-              <a:spcBef>
-                <a:spcPts val="0"/>
-              </a:spcBef>
-              <a:spcAft>
-                <a:spcPts val="0"/>
-              </a:spcAft>
-              <a:buClrTx/>
-              <a:buSzTx/>
-              <a:buFontTx/>
-              <a:buNone/>
-              <a:tabLst/>
-              <a:defRPr/>
-            </a:pPr>
-            <a:r>
-              <a:rPr kumimoji="0" lang="pl-PL" sz="2000" b="1" i="0" u="none" strike="noStrike" kern="0" cap="none" spc="0" normalizeH="0" baseline="0" noProof="0" dirty="0">
-                <a:ln>
-                  <a:noFill/>
-                </a:ln>
-                <a:solidFill>
-                  <a:srgbClr val="F79646">
-                    <a:lumMod val="75000"/>
-                  </a:srgbClr>
+                  <a:srgbClr val="EF942F"/>
                 </a:solidFill>
                 <a:effectLst/>
                 <a:uLnTx/>
@@ -30326,7 +30252,7 @@
                 <a:noFill/>
               </a:ln>
               <a:solidFill>
-                <a:prstClr val="black"/>
+                <a:srgbClr val="EF942F"/>
               </a:solidFill>
               <a:effectLst/>
               <a:uLnTx/>
@@ -30362,7 +30288,7 @@
                 <a:effectLst/>
                 <a:uLnTx/>
                 <a:uFillTx/>
-                <a:hlinkClick r:id="rId8">
+                <a:hlinkClick r:id="rId9">
                   <a:extLst>
                     <a:ext uri="{A12FA001-AC4F-418D-AE19-62706E023703}">
                       <ahyp:hlinkClr xmlns:ahyp="http://schemas.microsoft.com/office/drawing/2018/hyperlinkcolor" val="tx"/>
@@ -30413,7 +30339,7 @@
                 <a:effectLst/>
                 <a:uLnTx/>
                 <a:uFillTx/>
-                <a:hlinkClick r:id="rId9">
+                <a:hlinkClick r:id="rId10">
                   <a:extLst>
                     <a:ext uri="{A12FA001-AC4F-418D-AE19-62706E023703}">
                       <ahyp:hlinkClr xmlns:ahyp="http://schemas.microsoft.com/office/drawing/2018/hyperlinkcolor" val="tx"/>
@@ -30464,7 +30390,7 @@
                 <a:effectLst/>
                 <a:uLnTx/>
                 <a:uFillTx/>
-                <a:hlinkClick r:id="rId10">
+                <a:hlinkClick r:id="rId11">
                   <a:extLst>
                     <a:ext uri="{A12FA001-AC4F-418D-AE19-62706E023703}">
                       <ahyp:hlinkClr xmlns:ahyp="http://schemas.microsoft.com/office/drawing/2018/hyperlinkcolor" val="tx"/>
@@ -30515,7 +30441,7 @@
                 <a:effectLst/>
                 <a:uLnTx/>
                 <a:uFillTx/>
-                <a:hlinkClick r:id="rId11">
+                <a:hlinkClick r:id="rId12">
                   <a:extLst>
                     <a:ext uri="{A12FA001-AC4F-418D-AE19-62706E023703}">
                       <ahyp:hlinkClr xmlns:ahyp="http://schemas.microsoft.com/office/drawing/2018/hyperlinkcolor" val="tx"/>
@@ -30566,7 +30492,7 @@
                 <a:effectLst/>
                 <a:uLnTx/>
                 <a:uFillTx/>
-                <a:hlinkClick r:id="rId12">
+                <a:hlinkClick r:id="rId13">
                   <a:extLst>
                     <a:ext uri="{A12FA001-AC4F-418D-AE19-62706E023703}">
                       <ahyp:hlinkClr xmlns:ahyp="http://schemas.microsoft.com/office/drawing/2018/hyperlinkcolor" val="tx"/>
@@ -34668,7 +34594,7 @@
                 <a:ea typeface="+mj-ea"/>
                 <a:cs typeface="+mj-cs"/>
               </a:rPr>
-              <a:t>Data Lake on Azure</a:t>
+              <a:t>Big Data on Azure</a:t>
             </a:r>
             <a:endParaRPr lang="pl-PL" sz="4800" b="1" spc="-50" dirty="0">
               <a:solidFill>
